--- a/教学课件/2.第二课  运算符和流程控制,循环.pptx
+++ b/教学课件/2.第二课  运算符和流程控制,循环.pptx
@@ -4140,7 +4140,7 @@
                 <a:ea typeface="宋体" panose="02010600030101010101" pitchFamily="2" charset="-122"/>
                 <a:cs typeface="宋体" panose="02010600030101010101" pitchFamily="2" charset="-122"/>
               </a:rPr>
-              <a:t>A&amp;B = 0000 1100    </a:t>
+              <a:t>A&amp;B = 0000 1100    	   </a:t>
             </a:r>
             <a:r>
               <a:rPr lang="en-US" altLang="zh-CN" sz="2400" dirty="0" smtClean="0">
@@ -4288,7 +4288,23 @@
                 <a:ea typeface="宋体" panose="02010600030101010101" pitchFamily="2" charset="-122"/>
                 <a:cs typeface="宋体" panose="02010600030101010101" pitchFamily="2" charset="-122"/>
               </a:rPr>
-              <a:t>A^B = 0011 0001	   </a:t>
+              <a:t>A</a:t>
+            </a:r>
+            <a:r>
+              <a:rPr lang="en-US" sz="2400" dirty="0" smtClean="0">
+                <a:latin typeface="Consolas" panose="020B0609020204030204" pitchFamily="49" charset="0"/>
+                <a:ea typeface="宋体" panose="02010600030101010101" pitchFamily="2" charset="-122"/>
+                <a:cs typeface="Consolas" panose="020B0609020204030204" pitchFamily="49" charset="0"/>
+              </a:rPr>
+              <a:t>^</a:t>
+            </a:r>
+            <a:r>
+              <a:rPr lang="en-US" sz="2400" dirty="0" smtClean="0">
+                <a:latin typeface="宋体" panose="02010600030101010101" pitchFamily="2" charset="-122"/>
+                <a:ea typeface="宋体" panose="02010600030101010101" pitchFamily="2" charset="-122"/>
+                <a:cs typeface="宋体" panose="02010600030101010101" pitchFamily="2" charset="-122"/>
+              </a:rPr>
+              <a:t>B = 0011 0001	   </a:t>
             </a:r>
             <a:r>
               <a:rPr lang="en-US" altLang="zh-CN" sz="2400" dirty="0" smtClean="0">
@@ -4401,7 +4417,7 @@
                 <a:ea typeface="宋体" panose="02010600030101010101" pitchFamily="2" charset="-122"/>
                 <a:cs typeface="宋体" panose="02010600030101010101" pitchFamily="2" charset="-122"/>
               </a:rPr>
-              <a:t>= 1111 0000   //</a:t>
+              <a:t>= 1111 0000   	   //</a:t>
             </a:r>
             <a:r>
               <a:rPr lang="zh-CN" altLang="en-US" sz="2400" dirty="0" smtClean="0">
@@ -4728,7 +4744,7 @@
         </p:nvGraphicFramePr>
         <p:xfrm>
           <a:off x="457200" y="1935163"/>
-          <a:ext cx="8229600" cy="3337560"/>
+          <a:ext cx="8229600" cy="3332480"/>
         </p:xfrm>
         <a:graphic>
           <a:graphicData uri="http://schemas.openxmlformats.org/drawingml/2006/table">
@@ -4975,7 +4991,7 @@
                   <a:tcPr/>
                 </a:tc>
               </a:tr>
-              <a:tr h="370840">
+              <a:tr h="308610">
                 <a:tc>
                   <a:txBody>
                     <a:bodyPr/>
@@ -5252,7 +5268,7 @@
                   <a:tcPr/>
                 </a:tc>
               </a:tr>
-              <a:tr h="370840">
+              <a:tr h="640080">
                 <a:tc>
                   <a:txBody>
                     <a:bodyPr/>
@@ -5317,7 +5333,7 @@
                   <a:tcPr/>
                 </a:tc>
               </a:tr>
-              <a:tr h="370840">
+              <a:tr h="640080">
                 <a:tc>
                   <a:txBody>
                     <a:bodyPr/>
@@ -5507,6 +5523,9 @@
           </p:cNvGraphicFramePr>
           <p:nvPr>
             <p:ph idx="1"/>
+            <p:custDataLst>
+              <p:tags r:id="rId1"/>
+            </p:custDataLst>
           </p:nvPr>
         </p:nvGraphicFramePr>
         <p:xfrm>
@@ -5942,7 +5961,7 @@
           <a:p>
             <a:r>
               <a:rPr lang="zh-CN" altLang="en-US" dirty="0" smtClean="0"/>
-              <a:t>三元运算符：    ？：</a:t>
+              <a:t>三元运算符      ？：</a:t>
             </a:r>
             <a:endParaRPr lang="zh-CN" altLang="en-US" dirty="0"/>
           </a:p>
@@ -5990,6 +6009,14 @@
             <a:pPr>
               <a:buNone/>
             </a:pPr>
+            <a:r>
+              <a:rPr lang="zh-CN" altLang="en-US" dirty="0" smtClean="0"/>
+              <a:t>变量</a:t>
+            </a:r>
+            <a:r>
+              <a:rPr lang="en-US" altLang="zh-CN" dirty="0" smtClean="0"/>
+              <a:t>A	  =  </a:t>
+            </a:r>
             <a:r>
               <a:rPr lang="zh-CN" altLang="en-US" dirty="0" smtClean="0"/>
               <a:t>条件 </a:t>
@@ -6057,7 +6084,12 @@
             <p:ph type="title"/>
           </p:nvPr>
         </p:nvSpPr>
-        <p:spPr/>
+        <p:spPr>
+          <a:xfrm>
+            <a:off x="457200" y="453898"/>
+            <a:ext cx="8229600" cy="1143000"/>
+          </a:xfrm>
+        </p:spPr>
         <p:txBody>
           <a:bodyPr/>
           <a:lstStyle/>
@@ -6089,7 +6121,7 @@
         </p:blipFill>
         <p:spPr bwMode="auto">
           <a:xfrm>
-            <a:off x="1776224" y="1790383"/>
+            <a:off x="1776224" y="1596708"/>
             <a:ext cx="5591551" cy="4389437"/>
           </a:xfrm>
           <a:prstGeom prst="rect">
@@ -7280,14 +7312,14 @@
               <a:buAutoNum type="arabicPeriod"/>
             </a:pPr>
             <a:r>
-              <a:rPr lang="zh-CN" altLang="en-US" dirty="0" smtClean="0">
+              <a:rPr lang="zh-CN" altLang="en-US" b="1" dirty="0" smtClean="0">
                 <a:latin typeface="宋体" panose="02010600030101010101" pitchFamily="2" charset="-122"/>
                 <a:ea typeface="宋体" panose="02010600030101010101" pitchFamily="2" charset="-122"/>
                 <a:cs typeface="宋体" panose="02010600030101010101" pitchFamily="2" charset="-122"/>
               </a:rPr>
               <a:t>在书写代码时，条件最好是同一类型的，而不要是不大相干的判断</a:t>
             </a:r>
-            <a:endParaRPr lang="zh-CN" altLang="en-US" dirty="0">
+            <a:endParaRPr lang="zh-CN" altLang="en-US" b="1" dirty="0" smtClean="0">
               <a:latin typeface="宋体" panose="02010600030101010101" pitchFamily="2" charset="-122"/>
               <a:ea typeface="宋体" panose="02010600030101010101" pitchFamily="2" charset="-122"/>
               <a:cs typeface="宋体" panose="02010600030101010101" pitchFamily="2" charset="-122"/>
@@ -7547,7 +7579,19 @@
               <a:rPr lang="zh-CN" altLang="en-US" sz="2400" dirty="0" smtClean="0">
                 <a:latin typeface="+mn-ea"/>
               </a:rPr>
-              <a:t>表达式的求值顺序是由左至右。</a:t>
+              <a:t>表达式的求值顺序是</a:t>
+            </a:r>
+            <a:r>
+              <a:rPr lang="zh-CN" altLang="en-US" sz="2400" b="1" dirty="0" smtClean="0">
+                <a:latin typeface="+mn-ea"/>
+              </a:rPr>
+              <a:t>由左至右</a:t>
+            </a:r>
+            <a:r>
+              <a:rPr lang="zh-CN" altLang="en-US" sz="2400" dirty="0" smtClean="0">
+                <a:latin typeface="+mn-ea"/>
+              </a:rPr>
+              <a:t>。</a:t>
             </a:r>
             <a:endParaRPr lang="zh-CN" altLang="en-US" sz="2400" dirty="0">
               <a:latin typeface="+mn-ea"/>
@@ -10028,7 +10072,23 @@
                 <a:ea typeface="宋体" panose="02010600030101010101" pitchFamily="2" charset="-122"/>
                 <a:cs typeface="宋体" panose="02010600030101010101" pitchFamily="2" charset="-122"/>
               </a:rPr>
-              <a:t>以内的偶数和奇数和</a:t>
+              <a:t>以内的 偶数和</a:t>
+            </a:r>
+            <a:r>
+              <a:rPr lang="en-US" altLang="zh-CN">
+                <a:latin typeface="宋体" panose="02010600030101010101" pitchFamily="2" charset="-122"/>
+                <a:ea typeface="宋体" panose="02010600030101010101" pitchFamily="2" charset="-122"/>
+                <a:cs typeface="宋体" panose="02010600030101010101" pitchFamily="2" charset="-122"/>
+              </a:rPr>
+              <a:t>, </a:t>
+            </a:r>
+            <a:r>
+              <a:rPr lang="zh-CN" altLang="en-US">
+                <a:latin typeface="宋体" panose="02010600030101010101" pitchFamily="2" charset="-122"/>
+                <a:ea typeface="宋体" panose="02010600030101010101" pitchFamily="2" charset="-122"/>
+                <a:cs typeface="宋体" panose="02010600030101010101" pitchFamily="2" charset="-122"/>
+              </a:rPr>
+              <a:t>奇数和</a:t>
             </a:r>
             <a:endParaRPr lang="zh-CN" altLang="en-US">
               <a:latin typeface="宋体" panose="02010600030101010101" pitchFamily="2" charset="-122"/>
@@ -11442,7 +11502,7 @@
         </p:nvGraphicFramePr>
         <p:xfrm>
           <a:off x="428596" y="2071675"/>
-          <a:ext cx="8229600" cy="3383615"/>
+          <a:ext cx="8229600" cy="3767455"/>
         </p:xfrm>
         <a:graphic>
           <a:graphicData uri="http://schemas.openxmlformats.org/drawingml/2006/table">
@@ -11454,7 +11514,7 @@
                 <a:gridCol w="4114800"/>
                 <a:gridCol w="4114800"/>
               </a:tblGrid>
-              <a:tr h="420691">
+              <a:tr h="421005">
                 <a:tc>
                   <a:txBody>
                     <a:bodyPr/>
@@ -11542,6 +11602,100 @@
                           <a:cs typeface="+mn-ea"/>
                         </a:rPr>
                         <a:t>同为</a:t>
+                      </a:r>
+                      <a:r>
+                        <a:rPr lang="en-US" altLang="zh-CN" dirty="0" smtClean="0">
+                          <a:latin typeface="+mn-ea"/>
+                          <a:cs typeface="+mn-ea"/>
+                        </a:rPr>
+                        <a:t>1</a:t>
+                      </a:r>
+                      <a:r>
+                        <a:rPr lang="zh-CN" altLang="en-US" dirty="0" smtClean="0">
+                          <a:latin typeface="+mn-ea"/>
+                          <a:cs typeface="+mn-ea"/>
+                        </a:rPr>
+                        <a:t>则为</a:t>
+                      </a:r>
+                      <a:r>
+                        <a:rPr lang="en-US" altLang="zh-CN" dirty="0" smtClean="0">
+                          <a:latin typeface="+mn-ea"/>
+                          <a:cs typeface="+mn-ea"/>
+                        </a:rPr>
+                        <a:t>1</a:t>
+                      </a:r>
+                      <a:r>
+                        <a:rPr lang="zh-CN" altLang="en-US" dirty="0" smtClean="0">
+                          <a:latin typeface="+mn-ea"/>
+                          <a:cs typeface="+mn-ea"/>
+                        </a:rPr>
+                        <a:t>，反之为</a:t>
+                      </a:r>
+                      <a:r>
+                        <a:rPr lang="en-US" altLang="zh-CN" dirty="0" smtClean="0">
+                          <a:latin typeface="+mn-ea"/>
+                          <a:cs typeface="+mn-ea"/>
+                        </a:rPr>
+                        <a:t>0</a:t>
+                      </a:r>
+                      <a:endParaRPr lang="en-US" altLang="zh-CN" dirty="0" smtClean="0">
+                        <a:latin typeface="+mn-ea"/>
+                        <a:cs typeface="+mn-ea"/>
+                      </a:endParaRPr>
+                    </a:p>
+                  </a:txBody>
+                  <a:tcPr/>
+                </a:tc>
+              </a:tr>
+              <a:tr h="420370">
+                <a:tc>
+                  <a:txBody>
+                    <a:bodyPr/>
+                    <a:lstStyle/>
+                    <a:p>
+                      <a:pPr algn="ctr">
+                        <a:lnSpc>
+                          <a:spcPct val="110000"/>
+                        </a:lnSpc>
+                      </a:pPr>
+                      <a:r>
+                        <a:rPr lang="en-US" altLang="zh-CN" dirty="0" smtClean="0">
+                          <a:latin typeface="+mn-ea"/>
+                          <a:cs typeface="+mn-ea"/>
+                        </a:rPr>
+                        <a:t>|</a:t>
+                      </a:r>
+                      <a:r>
+                        <a:rPr lang="zh-CN" altLang="en-US" dirty="0" smtClean="0">
+                          <a:latin typeface="+mn-ea"/>
+                          <a:cs typeface="+mn-ea"/>
+                        </a:rPr>
+                        <a:t>（按位或）</a:t>
+                      </a:r>
+                      <a:endParaRPr lang="zh-CN" altLang="en-US" dirty="0">
+                        <a:latin typeface="+mn-ea"/>
+                        <a:cs typeface="+mn-ea"/>
+                      </a:endParaRPr>
+                    </a:p>
+                  </a:txBody>
+                  <a:tcPr/>
+                </a:tc>
+                <a:tc>
+                  <a:txBody>
+                    <a:bodyPr/>
+                    <a:lstStyle/>
+                    <a:p>
+                      <a:pPr algn="ctr">
+                        <a:lnSpc>
+                          <a:spcPct val="110000"/>
+                        </a:lnSpc>
+                      </a:pPr>
+                      <a:r>
+                        <a:rPr lang="zh-CN" altLang="en-US" dirty="0" smtClean="0">
+                          <a:latin typeface="+mn-ea"/>
+                          <a:cs typeface="+mn-ea"/>
+                        </a:rPr>
+                        <a:t>有一个为</a:t>
                       </a:r>
                       <a:r>
                         <a:rPr lang="en-US" altLang="zh-CN" dirty="0" smtClean="0">
@@ -11603,14 +11757,14 @@
                           <a:latin typeface="+mn-ea"/>
                           <a:cs typeface="+mn-ea"/>
                         </a:rPr>
-                        <a:t>|</a:t>
+                        <a:t>~</a:t>
                       </a:r>
                       <a:r>
                         <a:rPr lang="zh-CN" altLang="en-US" dirty="0" smtClean="0">
                           <a:latin typeface="+mn-ea"/>
                           <a:cs typeface="+mn-ea"/>
                         </a:rPr>
-                        <a:t>（按位或）</a:t>
+                        <a:t>（按位取反）</a:t>
                       </a:r>
                       <a:endParaRPr lang="zh-CN" altLang="en-US" dirty="0">
                         <a:latin typeface="+mn-ea"/>
@@ -11635,7 +11789,21 @@
                           <a:latin typeface="+mn-ea"/>
                           <a:cs typeface="+mn-ea"/>
                         </a:rPr>
-                        <a:t>有一个为</a:t>
+                        <a:t>取反，</a:t>
+                      </a:r>
+                      <a:r>
+                        <a:rPr lang="en-US" altLang="zh-CN" dirty="0" smtClean="0">
+                          <a:latin typeface="+mn-ea"/>
+                          <a:cs typeface="+mn-ea"/>
+                        </a:rPr>
+                        <a:t>0</a:t>
+                      </a:r>
+                      <a:r>
+                        <a:rPr lang="zh-CN" altLang="en-US" dirty="0" smtClean="0">
+                          <a:latin typeface="+mn-ea"/>
+                          <a:cs typeface="+mn-ea"/>
+                        </a:rPr>
+                        <a:t>变</a:t>
                       </a:r>
                       <a:r>
                         <a:rPr lang="en-US" altLang="zh-CN" dirty="0" smtClean="0">
@@ -11649,7 +11817,7 @@
                           <a:latin typeface="+mn-ea"/>
                           <a:cs typeface="+mn-ea"/>
                         </a:rPr>
-                        <a:t>则为</a:t>
+                        <a:t>，</a:t>
                       </a:r>
                       <a:r>
                         <a:rPr lang="en-US" altLang="zh-CN" dirty="0" smtClean="0">
@@ -11663,7 +11831,7 @@
                           <a:latin typeface="+mn-ea"/>
                           <a:cs typeface="+mn-ea"/>
                         </a:rPr>
-                        <a:t>，反之为</a:t>
+                        <a:t>变</a:t>
                       </a:r>
                       <a:r>
                         <a:rPr lang="en-US" altLang="zh-CN" dirty="0" smtClean="0">
@@ -11672,7 +11840,14 @@
                         </a:rPr>
                         <a:t>0</a:t>
                       </a:r>
-                      <a:endParaRPr lang="en-US" altLang="zh-CN" dirty="0" smtClean="0">
+                      <a:r>
+                        <a:rPr lang="zh-CN" altLang="en-US" dirty="0" smtClean="0">
+                          <a:latin typeface="+mn-ea"/>
+                          <a:cs typeface="+mn-ea"/>
+                        </a:rPr>
+                        <a:t>（只有一个操作的参数）</a:t>
+                      </a:r>
+                      <a:endParaRPr lang="zh-CN" altLang="en-US" dirty="0" smtClean="0">
                         <a:latin typeface="+mn-ea"/>
                         <a:cs typeface="+mn-ea"/>
                       </a:endParaRPr>
@@ -11681,7 +11856,7 @@
                   <a:tcPr/>
                 </a:tc>
               </a:tr>
-              <a:tr h="420691">
+              <a:tr h="421005">
                 <a:tc>
                   <a:txBody>
                     <a:bodyPr/>
@@ -11694,123 +11869,8 @@
                       </a:pPr>
                       <a:r>
                         <a:rPr lang="en-US" altLang="zh-CN" dirty="0" smtClean="0">
-                          <a:latin typeface="+mn-ea"/>
-                          <a:cs typeface="+mn-ea"/>
-                        </a:rPr>
-                        <a:t>~</a:t>
-                      </a:r>
-                      <a:r>
-                        <a:rPr lang="zh-CN" altLang="en-US" dirty="0" smtClean="0">
-                          <a:latin typeface="+mn-ea"/>
-                          <a:cs typeface="+mn-ea"/>
-                        </a:rPr>
-                        <a:t>（按位取反）</a:t>
-                      </a:r>
-                      <a:endParaRPr lang="zh-CN" altLang="en-US" dirty="0">
-                        <a:latin typeface="+mn-ea"/>
-                        <a:cs typeface="+mn-ea"/>
-                      </a:endParaRPr>
-                    </a:p>
-                  </a:txBody>
-                  <a:tcPr/>
-                </a:tc>
-                <a:tc>
-                  <a:txBody>
-                    <a:bodyPr/>
-                    <a:lstStyle/>
-                    <a:p>
-                      <a:pPr algn="ctr">
-                        <a:lnSpc>
-                          <a:spcPct val="110000"/>
-                        </a:lnSpc>
-                      </a:pPr>
-                      <a:r>
-                        <a:rPr lang="zh-CN" altLang="en-US" dirty="0" smtClean="0">
-                          <a:latin typeface="+mn-ea"/>
-                          <a:cs typeface="+mn-ea"/>
-                        </a:rPr>
-                        <a:t>取反，</a:t>
-                      </a:r>
-                      <a:r>
-                        <a:rPr lang="en-US" altLang="zh-CN" dirty="0" smtClean="0">
-                          <a:latin typeface="+mn-ea"/>
-                          <a:cs typeface="+mn-ea"/>
-                        </a:rPr>
-                        <a:t>0</a:t>
-                      </a:r>
-                      <a:r>
-                        <a:rPr lang="zh-CN" altLang="en-US" dirty="0" smtClean="0">
-                          <a:latin typeface="+mn-ea"/>
-                          <a:cs typeface="+mn-ea"/>
-                        </a:rPr>
-                        <a:t>变</a:t>
-                      </a:r>
-                      <a:r>
-                        <a:rPr lang="en-US" altLang="zh-CN" dirty="0" smtClean="0">
-                          <a:latin typeface="+mn-ea"/>
-                          <a:cs typeface="+mn-ea"/>
-                        </a:rPr>
-                        <a:t>1</a:t>
-                      </a:r>
-                      <a:r>
-                        <a:rPr lang="zh-CN" altLang="en-US" dirty="0" smtClean="0">
-                          <a:latin typeface="+mn-ea"/>
-                          <a:cs typeface="+mn-ea"/>
-                        </a:rPr>
-                        <a:t>，</a:t>
-                      </a:r>
-                      <a:r>
-                        <a:rPr lang="en-US" altLang="zh-CN" dirty="0" smtClean="0">
-                          <a:latin typeface="+mn-ea"/>
-                          <a:cs typeface="+mn-ea"/>
-                        </a:rPr>
-                        <a:t>1</a:t>
-                      </a:r>
-                      <a:r>
-                        <a:rPr lang="zh-CN" altLang="en-US" dirty="0" smtClean="0">
-                          <a:latin typeface="+mn-ea"/>
-                          <a:cs typeface="+mn-ea"/>
-                        </a:rPr>
-                        <a:t>变</a:t>
-                      </a:r>
-                      <a:r>
-                        <a:rPr lang="en-US" altLang="zh-CN" dirty="0" smtClean="0">
-                          <a:latin typeface="+mn-ea"/>
-                          <a:cs typeface="+mn-ea"/>
-                        </a:rPr>
-                        <a:t>0</a:t>
-                      </a:r>
-                      <a:r>
-                        <a:rPr lang="zh-CN" altLang="en-US" dirty="0" smtClean="0">
-                          <a:latin typeface="+mn-ea"/>
-                          <a:cs typeface="+mn-ea"/>
-                        </a:rPr>
-                        <a:t>（只有一个操作的参数）</a:t>
-                      </a:r>
-                      <a:endParaRPr lang="zh-CN" altLang="en-US" dirty="0" smtClean="0">
-                        <a:latin typeface="+mn-ea"/>
-                        <a:cs typeface="+mn-ea"/>
-                      </a:endParaRPr>
-                    </a:p>
-                  </a:txBody>
-                  <a:tcPr/>
-                </a:tc>
-              </a:tr>
-              <a:tr h="420691">
-                <a:tc>
-                  <a:txBody>
-                    <a:bodyPr/>
-                    <a:lstStyle/>
-                    <a:p>
-                      <a:pPr algn="ctr">
-                        <a:lnSpc>
-                          <a:spcPct val="110000"/>
-                        </a:lnSpc>
-                      </a:pPr>
-                      <a:r>
-                        <a:rPr lang="en-US" altLang="zh-CN" dirty="0" smtClean="0">
-                          <a:latin typeface="+mn-ea"/>
-                          <a:cs typeface="+mn-ea"/>
+                          <a:latin typeface="Consolas" panose="020B0609020204030204" pitchFamily="49" charset="0"/>
+                          <a:cs typeface="Consolas" panose="020B0609020204030204" pitchFamily="49" charset="0"/>
                         </a:rPr>
                         <a:t>^</a:t>
                       </a:r>
@@ -11924,7 +11984,14 @@
                           <a:latin typeface="+mn-ea"/>
                           <a:cs typeface="+mn-ea"/>
                         </a:rPr>
-                        <a:t>所有位向左移动，左边空出来的补</a:t>
+                        <a:t>所有位向左移动，右</a:t>
+                      </a:r>
+                      <a:r>
+                        <a:rPr lang="zh-CN" altLang="en-US" dirty="0">
+                          <a:latin typeface="+mn-ea"/>
+                          <a:cs typeface="+mn-ea"/>
+                        </a:rPr>
+                        <a:t>边空出来的补</a:t>
                       </a:r>
                       <a:r>
                         <a:rPr lang="en-US" altLang="zh-CN" dirty="0">
@@ -12036,7 +12103,14 @@
                           <a:latin typeface="+mn-ea"/>
                           <a:cs typeface="+mn-ea"/>
                         </a:rPr>
-                        <a:t>所有位向右移动，右边空出来的补</a:t>
+                        <a:t>所有位向右移动，左</a:t>
+                      </a:r>
+                      <a:r>
+                        <a:rPr lang="zh-CN" altLang="en-US" dirty="0">
+                          <a:latin typeface="+mn-ea"/>
+                          <a:cs typeface="+mn-ea"/>
+                        </a:rPr>
+                        <a:t>边空出来的补</a:t>
                       </a:r>
                       <a:r>
                         <a:rPr lang="en-US" altLang="zh-CN" dirty="0">
@@ -12116,6 +12190,12 @@
 <file path=ppt/tags/tag3.xml><?xml version="1.0" encoding="utf-8"?>
 <p:tagLst xmlns:p="http://schemas.openxmlformats.org/presentationml/2006/main">
   <p:tag name="KSO_WM_UNIT_TABLE_BEAUTIFY" val="smartTable{3fed410b-c849-46d8-8cbd-205ea26841b9}"/>
+</p:tagLst>
+</file>
+
+<file path=ppt/tags/tag4.xml><?xml version="1.0" encoding="utf-8"?>
+<p:tagLst xmlns:p="http://schemas.openxmlformats.org/presentationml/2006/main">
+  <p:tag name="KSO_WM_UNIT_TABLE_BEAUTIFY" val="smartTable{53ab7ff4-9b5a-4d73-a40a-7149c006c5b7}"/>
 </p:tagLst>
 </file>
 
